--- a/srio/phase_shifters_and_polarizers_20min.pptx
+++ b/srio/phase_shifters_and_polarizers_20min.pptx
@@ -5,7 +5,7 @@
     <p:sldMasterId id="2147483653" r:id="rId1"/>
   </p:sldMasterIdLst>
   <p:notesMasterIdLst>
-    <p:notesMasterId r:id="rId12"/>
+    <p:notesMasterId r:id="rId13"/>
   </p:notesMasterIdLst>
   <p:sldIdLst>
     <p:sldId id="265" r:id="rId2"/>
@@ -18,6 +18,7 @@
     <p:sldId id="363" r:id="rId9"/>
     <p:sldId id="353" r:id="rId10"/>
     <p:sldId id="368" r:id="rId11"/>
+    <p:sldId id="369" r:id="rId12"/>
   </p:sldIdLst>
   <p:sldSz cx="9144000" cy="5143500" type="screen16x9"/>
   <p:notesSz cx="6858000" cy="9144000"/>
@@ -3425,7 +3426,7 @@
         <p:spPr>
           <a:xfrm>
             <a:off x="57675" y="62425"/>
-            <a:ext cx="9039600" cy="954077"/>
+            <a:ext cx="9039600" cy="569356"/>
           </a:xfrm>
         </p:spPr>
         <p:txBody>
@@ -3435,6 +3436,147 @@
             <a:r>
               <a:rPr lang="en-US" dirty="0"/>
               <a:t>Project 2</a:t>
+            </a:r>
+            <a:endParaRPr lang="en-GB" dirty="0"/>
+          </a:p>
+        </p:txBody>
+      </p:sp>
+      <p:sp>
+        <p:nvSpPr>
+          <p:cNvPr id="2" name="Slide Number Placeholder 1">
+            <a:extLst>
+              <a:ext uri="{FF2B5EF4-FFF2-40B4-BE49-F238E27FC236}">
+                <a16:creationId xmlns:a16="http://schemas.microsoft.com/office/drawing/2014/main" id="{1E540ACE-F2BB-4F54-9185-72E0983A0F9B}"/>
+              </a:ext>
+            </a:extLst>
+          </p:cNvPr>
+          <p:cNvSpPr>
+            <a:spLocks noGrp="1"/>
+          </p:cNvSpPr>
+          <p:nvPr>
+            <p:ph type="sldNum" idx="12"/>
+          </p:nvPr>
+        </p:nvSpPr>
+        <p:spPr/>
+        <p:txBody>
+          <a:bodyPr/>
+          <a:lstStyle/>
+          <a:p>
+            <a:pPr marL="0" lvl="0" indent="0" algn="r" rtl="0">
+              <a:spcBef>
+                <a:spcPts val="0"/>
+              </a:spcBef>
+              <a:spcAft>
+                <a:spcPts val="0"/>
+              </a:spcAft>
+              <a:buNone/>
+            </a:pPr>
+            <a:fld id="{00000000-1234-1234-1234-123412341234}" type="slidenum">
+              <a:rPr lang="en" smtClean="0"/>
+              <a:t>10</a:t>
+            </a:fld>
+            <a:endParaRPr lang="en" dirty="0"/>
+          </a:p>
+        </p:txBody>
+      </p:sp>
+      <p:sp>
+        <p:nvSpPr>
+          <p:cNvPr id="6" name="TextBox 5">
+            <a:extLst>
+              <a:ext uri="{FF2B5EF4-FFF2-40B4-BE49-F238E27FC236}">
+                <a16:creationId xmlns:a16="http://schemas.microsoft.com/office/drawing/2014/main" id="{6DB4F236-0F39-468A-A68A-F161BF5A10F5}"/>
+              </a:ext>
+            </a:extLst>
+          </p:cNvPr>
+          <p:cNvSpPr txBox="1"/>
+          <p:nvPr/>
+        </p:nvSpPr>
+        <p:spPr>
+          <a:xfrm>
+            <a:off x="1875693" y="1164493"/>
+            <a:ext cx="4115229" cy="307777"/>
+          </a:xfrm>
+          <a:prstGeom prst="rect">
+            <a:avLst/>
+          </a:prstGeom>
+          <a:noFill/>
+        </p:spPr>
+        <p:txBody>
+          <a:bodyPr wrap="none" rtlCol="0">
+            <a:spAutoFit/>
+          </a:bodyPr>
+          <a:lstStyle/>
+          <a:p>
+            <a:pPr marL="285750" indent="-285750">
+              <a:buFont typeface="Arial" panose="020B0604020202020204" pitchFamily="34" charset="0"/>
+              <a:buChar char="•"/>
+            </a:pPr>
+            <a:r>
+              <a:rPr lang="en-US" dirty="0"/>
+              <a:t>Crystal phase plates (transmission) in crystals</a:t>
+            </a:r>
+          </a:p>
+        </p:txBody>
+      </p:sp>
+    </p:spTree>
+    <p:extLst>
+      <p:ext uri="{BB962C8B-B14F-4D97-AF65-F5344CB8AC3E}">
+        <p14:creationId xmlns:p14="http://schemas.microsoft.com/office/powerpoint/2010/main" val="4181818983"/>
+      </p:ext>
+    </p:extLst>
+  </p:cSld>
+  <p:clrMapOvr>
+    <a:masterClrMapping/>
+  </p:clrMapOvr>
+</p:sld>
+</file>
+
+<file path=ppt/slides/slide11.xml><?xml version="1.0" encoding="utf-8"?>
+<p:sld xmlns:a="http://schemas.openxmlformats.org/drawingml/2006/main" xmlns:r="http://schemas.openxmlformats.org/officeDocument/2006/relationships" xmlns:p="http://schemas.openxmlformats.org/presentationml/2006/main">
+  <p:cSld>
+    <p:spTree>
+      <p:nvGrpSpPr>
+        <p:cNvPr id="1" name=""/>
+        <p:cNvGrpSpPr/>
+        <p:nvPr/>
+      </p:nvGrpSpPr>
+      <p:grpSpPr>
+        <a:xfrm>
+          <a:off x="0" y="0"/>
+          <a:ext cx="0" cy="0"/>
+          <a:chOff x="0" y="0"/>
+          <a:chExt cx="0" cy="0"/>
+        </a:xfrm>
+      </p:grpSpPr>
+      <p:sp>
+        <p:nvSpPr>
+          <p:cNvPr id="3" name="Title 2">
+            <a:extLst>
+              <a:ext uri="{FF2B5EF4-FFF2-40B4-BE49-F238E27FC236}">
+                <a16:creationId xmlns:a16="http://schemas.microsoft.com/office/drawing/2014/main" id="{0E75EEFE-C83E-47F6-B89B-DC0539AE5FE8}"/>
+              </a:ext>
+            </a:extLst>
+          </p:cNvPr>
+          <p:cNvSpPr>
+            <a:spLocks noGrp="1"/>
+          </p:cNvSpPr>
+          <p:nvPr>
+            <p:ph type="title"/>
+          </p:nvPr>
+        </p:nvSpPr>
+        <p:spPr>
+          <a:xfrm>
+            <a:off x="57675" y="62425"/>
+            <a:ext cx="9039600" cy="954077"/>
+          </a:xfrm>
+        </p:spPr>
+        <p:txBody>
+          <a:bodyPr/>
+          <a:lstStyle/>
+          <a:p>
+            <a:r>
+              <a:rPr lang="en-US" dirty="0"/>
+              <a:t>Project 3</a:t>
             </a:r>
             <a:br>
               <a:rPr lang="en-US" dirty="0"/>
@@ -3539,7 +3681,7 @@
             </a:pPr>
             <a:fld id="{00000000-1234-1234-1234-123412341234}" type="slidenum">
               <a:rPr lang="en" smtClean="0"/>
-              <a:t>10</a:t>
+              <a:t>11</a:t>
             </a:fld>
             <a:endParaRPr lang="en" dirty="0"/>
           </a:p>
@@ -3548,7 +3690,7 @@
     </p:spTree>
     <p:extLst>
       <p:ext uri="{BB962C8B-B14F-4D97-AF65-F5344CB8AC3E}">
-        <p14:creationId xmlns:p14="http://schemas.microsoft.com/office/powerpoint/2010/main" val="4181818983"/>
+        <p14:creationId xmlns:p14="http://schemas.microsoft.com/office/powerpoint/2010/main" val="1661256606"/>
       </p:ext>
     </p:extLst>
   </p:cSld>
@@ -4513,8 +4655,16 @@
           <a:lstStyle/>
           <a:p>
             <a:r>
+              <a:rPr lang="en-US" dirty="0" err="1"/>
+              <a:t>Xiaojiang</a:t>
+            </a:r>
+            <a:r>
+              <a:rPr lang="en-US"/>
+              <a:t> Yu </a:t>
+            </a:r>
+            <a:r>
               <a:rPr lang="en-US" dirty="0"/>
-              <a:t>Yu et al. (Proc. SRI2024, in press) </a:t>
+              <a:t>et al. (Proc. SRI2024, in press) </a:t>
             </a:r>
             <a:endParaRPr lang="en-GB" dirty="0"/>
           </a:p>
@@ -4572,7 +4722,7 @@
         </p:blipFill>
         <p:spPr>
           <a:xfrm>
-            <a:off x="1700818" y="1677396"/>
+            <a:off x="1700818" y="2396924"/>
             <a:ext cx="5742364" cy="2198972"/>
           </a:xfrm>
           <a:prstGeom prst="rect">
@@ -4615,6 +4765,41 @@
               <a:t>5</a:t>
             </a:fld>
             <a:endParaRPr lang="en" dirty="0"/>
+          </a:p>
+        </p:txBody>
+      </p:sp>
+      <p:sp>
+        <p:nvSpPr>
+          <p:cNvPr id="6" name="TextBox 5">
+            <a:extLst>
+              <a:ext uri="{FF2B5EF4-FFF2-40B4-BE49-F238E27FC236}">
+                <a16:creationId xmlns:a16="http://schemas.microsoft.com/office/drawing/2014/main" id="{3FC1A9D8-CA7A-4398-86D2-B45EDF5D6551}"/>
+              </a:ext>
+            </a:extLst>
+          </p:cNvPr>
+          <p:cNvSpPr txBox="1"/>
+          <p:nvPr/>
+        </p:nvSpPr>
+        <p:spPr>
+          <a:xfrm>
+            <a:off x="509666" y="1596451"/>
+            <a:ext cx="8392057" cy="738664"/>
+          </a:xfrm>
+          <a:prstGeom prst="rect">
+            <a:avLst/>
+          </a:prstGeom>
+          <a:noFill/>
+        </p:spPr>
+        <p:txBody>
+          <a:bodyPr wrap="square" rtlCol="0">
+            <a:spAutoFit/>
+          </a:bodyPr>
+          <a:lstStyle/>
+          <a:p>
+            <a:r>
+              <a:rPr lang="en-GB" dirty="0"/>
+              <a:t>The vacuum can be polarized by the intense laser X-ray collision, transforming it into a quantum electrodynamics (QED) medium or birefringent material. In this scenario, the vacuum exhibits two distinct refractive indices, determined by the polarization directions of the incoming XFEL photons. </a:t>
+            </a:r>
           </a:p>
         </p:txBody>
       </p:sp>
